--- a/3. Side Project/2021.04.23. 대한임베디드공학회 준비/플로우 예시.pptx
+++ b/3. Side Project/2021.04.23. 대한임베디드공학회 준비/플로우 예시.pptx
@@ -7,6 +7,8 @@
   <p:sldIdLst>
     <p:sldId id="256" r:id="rId2"/>
     <p:sldId id="257" r:id="rId3"/>
+    <p:sldId id="258" r:id="rId4"/>
+    <p:sldId id="259" r:id="rId5"/>
   </p:sldIdLst>
   <p:sldSz cx="12192000" cy="6858000"/>
   <p:notesSz cx="6858000" cy="9144000"/>
@@ -271,7 +273,7 @@
           <a:p>
             <a:fld id="{8E800DD9-217C-4C73-B689-CB1C5BD1CFD8}" type="datetimeFigureOut">
               <a:rPr lang="ko-KR" altLang="en-US" smtClean="0"/>
-              <a:t>2021-04-23</a:t>
+              <a:t>2021-05-01</a:t>
             </a:fld>
             <a:endParaRPr lang="ko-KR" altLang="en-US"/>
           </a:p>
@@ -469,7 +471,7 @@
           <a:p>
             <a:fld id="{8E800DD9-217C-4C73-B689-CB1C5BD1CFD8}" type="datetimeFigureOut">
               <a:rPr lang="ko-KR" altLang="en-US" smtClean="0"/>
-              <a:t>2021-04-23</a:t>
+              <a:t>2021-05-01</a:t>
             </a:fld>
             <a:endParaRPr lang="ko-KR" altLang="en-US"/>
           </a:p>
@@ -677,7 +679,7 @@
           <a:p>
             <a:fld id="{8E800DD9-217C-4C73-B689-CB1C5BD1CFD8}" type="datetimeFigureOut">
               <a:rPr lang="ko-KR" altLang="en-US" smtClean="0"/>
-              <a:t>2021-04-23</a:t>
+              <a:t>2021-05-01</a:t>
             </a:fld>
             <a:endParaRPr lang="ko-KR" altLang="en-US"/>
           </a:p>
@@ -875,7 +877,7 @@
           <a:p>
             <a:fld id="{8E800DD9-217C-4C73-B689-CB1C5BD1CFD8}" type="datetimeFigureOut">
               <a:rPr lang="ko-KR" altLang="en-US" smtClean="0"/>
-              <a:t>2021-04-23</a:t>
+              <a:t>2021-05-01</a:t>
             </a:fld>
             <a:endParaRPr lang="ko-KR" altLang="en-US"/>
           </a:p>
@@ -1150,7 +1152,7 @@
           <a:p>
             <a:fld id="{8E800DD9-217C-4C73-B689-CB1C5BD1CFD8}" type="datetimeFigureOut">
               <a:rPr lang="ko-KR" altLang="en-US" smtClean="0"/>
-              <a:t>2021-04-23</a:t>
+              <a:t>2021-05-01</a:t>
             </a:fld>
             <a:endParaRPr lang="ko-KR" altLang="en-US"/>
           </a:p>
@@ -1415,7 +1417,7 @@
           <a:p>
             <a:fld id="{8E800DD9-217C-4C73-B689-CB1C5BD1CFD8}" type="datetimeFigureOut">
               <a:rPr lang="ko-KR" altLang="en-US" smtClean="0"/>
-              <a:t>2021-04-23</a:t>
+              <a:t>2021-05-01</a:t>
             </a:fld>
             <a:endParaRPr lang="ko-KR" altLang="en-US"/>
           </a:p>
@@ -1827,7 +1829,7 @@
           <a:p>
             <a:fld id="{8E800DD9-217C-4C73-B689-CB1C5BD1CFD8}" type="datetimeFigureOut">
               <a:rPr lang="ko-KR" altLang="en-US" smtClean="0"/>
-              <a:t>2021-04-23</a:t>
+              <a:t>2021-05-01</a:t>
             </a:fld>
             <a:endParaRPr lang="ko-KR" altLang="en-US"/>
           </a:p>
@@ -1968,7 +1970,7 @@
           <a:p>
             <a:fld id="{8E800DD9-217C-4C73-B689-CB1C5BD1CFD8}" type="datetimeFigureOut">
               <a:rPr lang="ko-KR" altLang="en-US" smtClean="0"/>
-              <a:t>2021-04-23</a:t>
+              <a:t>2021-05-01</a:t>
             </a:fld>
             <a:endParaRPr lang="ko-KR" altLang="en-US"/>
           </a:p>
@@ -2081,7 +2083,7 @@
           <a:p>
             <a:fld id="{8E800DD9-217C-4C73-B689-CB1C5BD1CFD8}" type="datetimeFigureOut">
               <a:rPr lang="ko-KR" altLang="en-US" smtClean="0"/>
-              <a:t>2021-04-23</a:t>
+              <a:t>2021-05-01</a:t>
             </a:fld>
             <a:endParaRPr lang="ko-KR" altLang="en-US"/>
           </a:p>
@@ -2392,7 +2394,7 @@
           <a:p>
             <a:fld id="{8E800DD9-217C-4C73-B689-CB1C5BD1CFD8}" type="datetimeFigureOut">
               <a:rPr lang="ko-KR" altLang="en-US" smtClean="0"/>
-              <a:t>2021-04-23</a:t>
+              <a:t>2021-05-01</a:t>
             </a:fld>
             <a:endParaRPr lang="ko-KR" altLang="en-US"/>
           </a:p>
@@ -2680,7 +2682,7 @@
           <a:p>
             <a:fld id="{8E800DD9-217C-4C73-B689-CB1C5BD1CFD8}" type="datetimeFigureOut">
               <a:rPr lang="ko-KR" altLang="en-US" smtClean="0"/>
-              <a:t>2021-04-23</a:t>
+              <a:t>2021-05-01</a:t>
             </a:fld>
             <a:endParaRPr lang="ko-KR" altLang="en-US"/>
           </a:p>
@@ -2921,7 +2923,7 @@
           <a:p>
             <a:fld id="{8E800DD9-217C-4C73-B689-CB1C5BD1CFD8}" type="datetimeFigureOut">
               <a:rPr lang="ko-KR" altLang="en-US" smtClean="0"/>
-              <a:t>2021-04-23</a:t>
+              <a:t>2021-05-01</a:t>
             </a:fld>
             <a:endParaRPr lang="ko-KR" altLang="en-US"/>
           </a:p>
@@ -8337,6 +8339,410 @@
 </p:sld>
 </file>
 
+<file path=ppt/slides/slide3.xml><?xml version="1.0" encoding="utf-8"?>
+<p:sld xmlns:a="http://schemas.openxmlformats.org/drawingml/2006/main" xmlns:r="http://schemas.openxmlformats.org/officeDocument/2006/relationships" xmlns:p="http://schemas.openxmlformats.org/presentationml/2006/main">
+  <p:cSld>
+    <p:spTree>
+      <p:nvGrpSpPr>
+        <p:cNvPr id="1" name=""/>
+        <p:cNvGrpSpPr/>
+        <p:nvPr/>
+      </p:nvGrpSpPr>
+      <p:grpSpPr>
+        <a:xfrm>
+          <a:off x="0" y="0"/>
+          <a:ext cx="0" cy="0"/>
+          <a:chOff x="0" y="0"/>
+          <a:chExt cx="0" cy="0"/>
+        </a:xfrm>
+      </p:grpSpPr>
+      <p:sp>
+        <p:nvSpPr>
+          <p:cNvPr id="4" name="직사각형 3">
+            <a:extLst>
+              <a:ext uri="{FF2B5EF4-FFF2-40B4-BE49-F238E27FC236}">
+                <a16:creationId xmlns:a16="http://schemas.microsoft.com/office/drawing/2014/main" id="{BDB9AD7A-14AD-47B9-8833-33A5CC70FBBB}"/>
+              </a:ext>
+            </a:extLst>
+          </p:cNvPr>
+          <p:cNvSpPr/>
+          <p:nvPr/>
+        </p:nvSpPr>
+        <p:spPr>
+          <a:xfrm>
+            <a:off x="0" y="0"/>
+            <a:ext cx="12192000" cy="6858000"/>
+          </a:xfrm>
+          <a:prstGeom prst="rect">
+            <a:avLst/>
+          </a:prstGeom>
+          <a:solidFill>
+            <a:schemeClr val="tx1"/>
+          </a:solidFill>
+          <a:ln>
+            <a:noFill/>
+          </a:ln>
+        </p:spPr>
+        <p:style>
+          <a:lnRef idx="2">
+            <a:schemeClr val="accent1">
+              <a:shade val="50000"/>
+            </a:schemeClr>
+          </a:lnRef>
+          <a:fillRef idx="1">
+            <a:schemeClr val="accent1"/>
+          </a:fillRef>
+          <a:effectRef idx="0">
+            <a:schemeClr val="accent1"/>
+          </a:effectRef>
+          <a:fontRef idx="minor">
+            <a:schemeClr val="lt1"/>
+          </a:fontRef>
+        </p:style>
+        <p:txBody>
+          <a:bodyPr rtlCol="0" anchor="ctr"/>
+          <a:lstStyle/>
+          <a:p>
+            <a:pPr algn="ctr"/>
+            <a:endParaRPr lang="ko-KR" altLang="en-US" dirty="0"/>
+          </a:p>
+        </p:txBody>
+      </p:sp>
+      <p:sp>
+        <p:nvSpPr>
+          <p:cNvPr id="5" name="TextBox 4">
+            <a:extLst>
+              <a:ext uri="{FF2B5EF4-FFF2-40B4-BE49-F238E27FC236}">
+                <a16:creationId xmlns:a16="http://schemas.microsoft.com/office/drawing/2014/main" id="{304F38DF-73E3-432C-A4E2-24B6D74B6863}"/>
+              </a:ext>
+            </a:extLst>
+          </p:cNvPr>
+          <p:cNvSpPr txBox="1"/>
+          <p:nvPr/>
+        </p:nvSpPr>
+        <p:spPr>
+          <a:xfrm>
+            <a:off x="1021649" y="1835823"/>
+            <a:ext cx="3427541" cy="707886"/>
+          </a:xfrm>
+          <a:prstGeom prst="rect">
+            <a:avLst/>
+          </a:prstGeom>
+          <a:noFill/>
+        </p:spPr>
+        <p:txBody>
+          <a:bodyPr wrap="none" rtlCol="0">
+            <a:spAutoFit/>
+          </a:bodyPr>
+          <a:lstStyle/>
+          <a:p>
+            <a:pPr algn="ctr"/>
+            <a:r>
+              <a:rPr lang="ko-KR" altLang="en-US" sz="4000" dirty="0">
+                <a:solidFill>
+                  <a:schemeClr val="bg1"/>
+                </a:solidFill>
+                <a:latin typeface="AppleSDGothicNeoB00" panose="02000503000000000000" pitchFamily="2" charset="-127"/>
+                <a:ea typeface="AppleSDGothicNeoB00" panose="02000503000000000000" pitchFamily="2" charset="-127"/>
+              </a:rPr>
+              <a:t>응급상황 </a:t>
+            </a:r>
+            <a:r>
+              <a:rPr lang="ko-KR" altLang="en-US" sz="4000" dirty="0" err="1">
+                <a:solidFill>
+                  <a:schemeClr val="bg1"/>
+                </a:solidFill>
+                <a:latin typeface="AppleSDGothicNeoB00" panose="02000503000000000000" pitchFamily="2" charset="-127"/>
+                <a:ea typeface="AppleSDGothicNeoB00" panose="02000503000000000000" pitchFamily="2" charset="-127"/>
+              </a:rPr>
+              <a:t>알리미</a:t>
+            </a:r>
+            <a:endParaRPr lang="ko-KR" altLang="en-US" sz="4000" dirty="0">
+              <a:solidFill>
+                <a:schemeClr val="bg1"/>
+              </a:solidFill>
+              <a:latin typeface="AppleSDGothicNeoB00" panose="02000503000000000000" pitchFamily="2" charset="-127"/>
+              <a:ea typeface="AppleSDGothicNeoB00" panose="02000503000000000000" pitchFamily="2" charset="-127"/>
+            </a:endParaRPr>
+          </a:p>
+        </p:txBody>
+      </p:sp>
+      <p:pic>
+        <p:nvPicPr>
+          <p:cNvPr id="7" name="그림 6">
+            <a:extLst>
+              <a:ext uri="{FF2B5EF4-FFF2-40B4-BE49-F238E27FC236}">
+                <a16:creationId xmlns:a16="http://schemas.microsoft.com/office/drawing/2014/main" id="{08C618E0-5B2D-4064-8BCA-D5A5D1182B14}"/>
+              </a:ext>
+            </a:extLst>
+          </p:cNvPr>
+          <p:cNvPicPr>
+            <a:picLocks noChangeAspect="1"/>
+          </p:cNvPicPr>
+          <p:nvPr/>
+        </p:nvPicPr>
+        <p:blipFill rotWithShape="1">
+          <a:blip r:embed="rId2">
+            <a:biLevel thresh="25000"/>
+          </a:blip>
+          <a:srcRect l="16332" t="20934" r="15601" b="24264"/>
+          <a:stretch/>
+        </p:blipFill>
+        <p:spPr>
+          <a:xfrm>
+            <a:off x="4800600" y="1181100"/>
+            <a:ext cx="4747260" cy="2171700"/>
+          </a:xfrm>
+          <a:prstGeom prst="rect">
+            <a:avLst/>
+          </a:prstGeom>
+        </p:spPr>
+      </p:pic>
+      <p:pic>
+        <p:nvPicPr>
+          <p:cNvPr id="8" name="그림 7">
+            <a:extLst>
+              <a:ext uri="{FF2B5EF4-FFF2-40B4-BE49-F238E27FC236}">
+                <a16:creationId xmlns:a16="http://schemas.microsoft.com/office/drawing/2014/main" id="{33A8D71C-F809-423D-A019-54DFFB76F7E1}"/>
+              </a:ext>
+            </a:extLst>
+          </p:cNvPr>
+          <p:cNvPicPr>
+            <a:picLocks noChangeAspect="1"/>
+          </p:cNvPicPr>
+          <p:nvPr/>
+        </p:nvPicPr>
+        <p:blipFill rotWithShape="1">
+          <a:blip r:embed="rId2">
+            <a:biLevel thresh="25000"/>
+          </a:blip>
+          <a:srcRect l="16356" t="21130" r="15577" b="40605"/>
+          <a:stretch/>
+        </p:blipFill>
+        <p:spPr>
+          <a:xfrm>
+            <a:off x="5232996" y="4703528"/>
+            <a:ext cx="4747260" cy="1516380"/>
+          </a:xfrm>
+          <a:prstGeom prst="rect">
+            <a:avLst/>
+          </a:prstGeom>
+        </p:spPr>
+      </p:pic>
+      <p:pic>
+        <p:nvPicPr>
+          <p:cNvPr id="11" name="그림 10">
+            <a:extLst>
+              <a:ext uri="{FF2B5EF4-FFF2-40B4-BE49-F238E27FC236}">
+                <a16:creationId xmlns:a16="http://schemas.microsoft.com/office/drawing/2014/main" id="{C5C9A432-C717-46C4-9AFA-35AD13C816C2}"/>
+              </a:ext>
+            </a:extLst>
+          </p:cNvPr>
+          <p:cNvPicPr>
+            <a:picLocks noChangeAspect="1"/>
+          </p:cNvPicPr>
+          <p:nvPr/>
+        </p:nvPicPr>
+        <p:blipFill rotWithShape="1">
+          <a:blip r:embed="rId3">
+            <a:extLst>
+              <a:ext uri="{BEBA8EAE-BF5A-486C-A8C5-ECC9F3942E4B}">
+                <a14:imgProps xmlns:a14="http://schemas.microsoft.com/office/drawing/2010/main">
+                  <a14:imgLayer r:embed="rId4">
+                    <a14:imgEffect>
+                      <a14:backgroundRemoval t="10000" b="90000" l="10000" r="90000">
+                        <a14:foregroundMark x1="63462" y1="60817" x2="60096" y2="60577"/>
+                        <a14:foregroundMark x1="61058" y1="52885" x2="61538" y2="64904"/>
+                        <a14:foregroundMark x1="72356" y1="41587" x2="72356" y2="41587"/>
+                        <a14:foregroundMark x1="62019" y1="35096" x2="62019" y2="35096"/>
+                        <a14:foregroundMark x1="49519" y1="31490" x2="49519" y2="31490"/>
+                        <a14:foregroundMark x1="38221" y1="34375" x2="38221" y2="34375"/>
+                        <a14:foregroundMark x1="27163" y1="42067" x2="27163" y2="42067"/>
+                      </a14:backgroundRemoval>
+                    </a14:imgEffect>
+                    <a14:imgEffect>
+                      <a14:saturation sat="66000"/>
+                    </a14:imgEffect>
+                  </a14:imgLayer>
+                </a14:imgProps>
+              </a:ext>
+              <a:ext uri="{28A0092B-C50C-407E-A947-70E740481C1C}">
+                <a14:useLocalDpi xmlns:a14="http://schemas.microsoft.com/office/drawing/2010/main" val="0"/>
+              </a:ext>
+              <a:ext uri="{837473B0-CC2E-450A-ABE3-18F120FF3D39}">
+                <a1611:picAttrSrcUrl xmlns:a1611="http://schemas.microsoft.com/office/drawing/2016/11/main" r:id="rId5"/>
+              </a:ext>
+            </a:extLst>
+          </a:blip>
+          <a:srcRect l="17704" t="20698" r="19041" b="21111"/>
+          <a:stretch/>
+        </p:blipFill>
+        <p:spPr>
+          <a:xfrm>
+            <a:off x="2264257" y="2866492"/>
+            <a:ext cx="2360638" cy="2171701"/>
+          </a:xfrm>
+          <a:prstGeom prst="rect">
+            <a:avLst/>
+          </a:prstGeom>
+        </p:spPr>
+      </p:pic>
+      <p:pic>
+        <p:nvPicPr>
+          <p:cNvPr id="13" name="그림 12" descr="빨간색이(가) 표시된 사진&#10;&#10;자동 생성된 설명">
+            <a:extLst>
+              <a:ext uri="{FF2B5EF4-FFF2-40B4-BE49-F238E27FC236}">
+                <a16:creationId xmlns:a16="http://schemas.microsoft.com/office/drawing/2014/main" id="{E9DF6454-5609-42FB-930C-8C40C48B87A3}"/>
+              </a:ext>
+            </a:extLst>
+          </p:cNvPr>
+          <p:cNvPicPr>
+            <a:picLocks noChangeAspect="1"/>
+          </p:cNvPicPr>
+          <p:nvPr/>
+        </p:nvPicPr>
+        <p:blipFill rotWithShape="1">
+          <a:blip r:embed="rId6">
+            <a:extLst>
+              <a:ext uri="{BEBA8EAE-BF5A-486C-A8C5-ECC9F3942E4B}">
+                <a14:imgProps xmlns:a14="http://schemas.microsoft.com/office/drawing/2010/main">
+                  <a14:imgLayer r:embed="rId7">
+                    <a14:imgEffect>
+                      <a14:backgroundRemoval t="10000" b="90000" l="10000" r="90000">
+                        <a14:foregroundMark x1="50781" y1="46289" x2="52441" y2="48730"/>
+                        <a14:foregroundMark x1="61035" y1="40332" x2="61035" y2="40332"/>
+                        <a14:foregroundMark x1="66211" y1="33789" x2="66211" y2="33789"/>
+                        <a14:foregroundMark x1="59277" y1="25586" x2="59277" y2="25586"/>
+                        <a14:foregroundMark x1="49805" y1="17090" x2="49805" y2="17090"/>
+                        <a14:foregroundMark x1="38574" y1="23926" x2="38574" y2="23926"/>
+                        <a14:foregroundMark x1="30762" y1="33203" x2="30762" y2="33203"/>
+                      </a14:backgroundRemoval>
+                    </a14:imgEffect>
+                    <a14:imgEffect>
+                      <a14:artisticMarker/>
+                    </a14:imgEffect>
+                    <a14:imgEffect>
+                      <a14:saturation sat="66000"/>
+                    </a14:imgEffect>
+                  </a14:imgLayer>
+                </a14:imgProps>
+              </a:ext>
+              <a:ext uri="{28A0092B-C50C-407E-A947-70E740481C1C}">
+                <a14:useLocalDpi xmlns:a14="http://schemas.microsoft.com/office/drawing/2010/main" val="0"/>
+              </a:ext>
+              <a:ext uri="{837473B0-CC2E-450A-ABE3-18F120FF3D39}">
+                <a1611:picAttrSrcUrl xmlns:a1611="http://schemas.microsoft.com/office/drawing/2016/11/main" r:id="rId8"/>
+              </a:ext>
+            </a:extLst>
+          </a:blip>
+          <a:srcRect l="21884" t="12786" r="22208" b="12909"/>
+          <a:stretch/>
+        </p:blipFill>
+        <p:spPr>
+          <a:xfrm>
+            <a:off x="779233" y="3006192"/>
+            <a:ext cx="1621067" cy="2154473"/>
+          </a:xfrm>
+          <a:prstGeom prst="rect">
+            <a:avLst/>
+          </a:prstGeom>
+        </p:spPr>
+      </p:pic>
+    </p:spTree>
+    <p:extLst>
+      <p:ext uri="{BB962C8B-B14F-4D97-AF65-F5344CB8AC3E}">
+        <p14:creationId xmlns:p14="http://schemas.microsoft.com/office/powerpoint/2010/main" val="2972986221"/>
+      </p:ext>
+    </p:extLst>
+  </p:cSld>
+  <p:clrMapOvr>
+    <a:masterClrMapping/>
+  </p:clrMapOvr>
+</p:sld>
+</file>
+
+<file path=ppt/slides/slide4.xml><?xml version="1.0" encoding="utf-8"?>
+<p:sld xmlns:a="http://schemas.openxmlformats.org/drawingml/2006/main" xmlns:r="http://schemas.openxmlformats.org/officeDocument/2006/relationships" xmlns:p="http://schemas.openxmlformats.org/presentationml/2006/main">
+  <p:cSld>
+    <p:spTree>
+      <p:nvGrpSpPr>
+        <p:cNvPr id="1" name=""/>
+        <p:cNvGrpSpPr/>
+        <p:nvPr/>
+      </p:nvGrpSpPr>
+      <p:grpSpPr>
+        <a:xfrm>
+          <a:off x="0" y="0"/>
+          <a:ext cx="0" cy="0"/>
+          <a:chOff x="0" y="0"/>
+          <a:chExt cx="0" cy="0"/>
+        </a:xfrm>
+      </p:grpSpPr>
+      <p:sp>
+        <p:nvSpPr>
+          <p:cNvPr id="4" name="직사각형 3">
+            <a:extLst>
+              <a:ext uri="{FF2B5EF4-FFF2-40B4-BE49-F238E27FC236}">
+                <a16:creationId xmlns:a16="http://schemas.microsoft.com/office/drawing/2014/main" id="{52914C38-4279-44C6-874E-4ECD6CA74932}"/>
+              </a:ext>
+            </a:extLst>
+          </p:cNvPr>
+          <p:cNvSpPr/>
+          <p:nvPr/>
+        </p:nvSpPr>
+        <p:spPr>
+          <a:xfrm>
+            <a:off x="742950" y="1809000"/>
+            <a:ext cx="5760000" cy="3240000"/>
+          </a:xfrm>
+          <a:prstGeom prst="rect">
+            <a:avLst/>
+          </a:prstGeom>
+          <a:noFill/>
+          <a:ln w="19050">
+            <a:solidFill>
+              <a:schemeClr val="tx1"/>
+            </a:solidFill>
+          </a:ln>
+        </p:spPr>
+        <p:style>
+          <a:lnRef idx="2">
+            <a:schemeClr val="accent1">
+              <a:shade val="50000"/>
+            </a:schemeClr>
+          </a:lnRef>
+          <a:fillRef idx="1">
+            <a:schemeClr val="accent1"/>
+          </a:fillRef>
+          <a:effectRef idx="0">
+            <a:schemeClr val="accent1"/>
+          </a:effectRef>
+          <a:fontRef idx="minor">
+            <a:schemeClr val="lt1"/>
+          </a:fontRef>
+        </p:style>
+        <p:txBody>
+          <a:bodyPr rtlCol="0" anchor="ctr"/>
+          <a:lstStyle/>
+          <a:p>
+            <a:pPr algn="ctr"/>
+            <a:endParaRPr lang="ko-KR" altLang="en-US"/>
+          </a:p>
+        </p:txBody>
+      </p:sp>
+    </p:spTree>
+    <p:extLst>
+      <p:ext uri="{BB962C8B-B14F-4D97-AF65-F5344CB8AC3E}">
+        <p14:creationId xmlns:p14="http://schemas.microsoft.com/office/powerpoint/2010/main" val="1308435376"/>
+      </p:ext>
+    </p:extLst>
+  </p:cSld>
+  <p:clrMapOvr>
+    <a:masterClrMapping/>
+  </p:clrMapOvr>
+</p:sld>
+</file>
+
 <file path=ppt/theme/theme1.xml><?xml version="1.0" encoding="utf-8"?>
 <a:theme xmlns:a="http://schemas.openxmlformats.org/drawingml/2006/main" name="Office 테마">
   <a:themeElements>
